--- a/Tour/Web前端设计H5.pptx
+++ b/Tour/Web前端设计H5.pptx
@@ -770,7 +770,7 @@
           <a:p>
             <a:fld id="{2C5E7B07-12AB-4F90-BF91-D594BCC61478}" type="datetimeFigureOut">
               <a:rPr lang="zh-CN" altLang="en-US" smtClean="0"/>
-              <a:t>2013/9/10</a:t>
+              <a:t>2013/12/5</a:t>
             </a:fld>
             <a:endParaRPr lang="zh-CN" altLang="en-US"/>
           </a:p>
@@ -949,7 +949,7 @@
           <a:p>
             <a:fld id="{2C5E7B07-12AB-4F90-BF91-D594BCC61478}" type="datetimeFigureOut">
               <a:rPr lang="zh-CN" altLang="en-US" smtClean="0"/>
-              <a:t>2013/9/10</a:t>
+              <a:t>2013/12/5</a:t>
             </a:fld>
             <a:endParaRPr lang="zh-CN" altLang="en-US"/>
           </a:p>
@@ -1128,7 +1128,7 @@
           <a:p>
             <a:fld id="{2C5E7B07-12AB-4F90-BF91-D594BCC61478}" type="datetimeFigureOut">
               <a:rPr lang="zh-CN" altLang="en-US" smtClean="0"/>
-              <a:t>2013/9/10</a:t>
+              <a:t>2013/12/5</a:t>
             </a:fld>
             <a:endParaRPr lang="zh-CN" altLang="en-US"/>
           </a:p>
@@ -1293,7 +1293,7 @@
           <a:p>
             <a:fld id="{2C5E7B07-12AB-4F90-BF91-D594BCC61478}" type="datetimeFigureOut">
               <a:rPr lang="zh-CN" altLang="en-US" smtClean="0"/>
-              <a:t>2013/9/10</a:t>
+              <a:t>2013/12/5</a:t>
             </a:fld>
             <a:endParaRPr lang="zh-CN" altLang="en-US"/>
           </a:p>
@@ -1532,7 +1532,7 @@
           <a:p>
             <a:fld id="{2C5E7B07-12AB-4F90-BF91-D594BCC61478}" type="datetimeFigureOut">
               <a:rPr lang="zh-CN" altLang="en-US" smtClean="0"/>
-              <a:t>2013/9/10</a:t>
+              <a:t>2013/12/5</a:t>
             </a:fld>
             <a:endParaRPr lang="zh-CN" altLang="en-US"/>
           </a:p>
@@ -1645,7 +1645,7 @@
           <a:p>
             <a:fld id="{2C5E7B07-12AB-4F90-BF91-D594BCC61478}" type="datetimeFigureOut">
               <a:rPr lang="zh-CN" altLang="en-US" smtClean="0"/>
-              <a:t>2013/9/10</a:t>
+              <a:t>2013/12/5</a:t>
             </a:fld>
             <a:endParaRPr lang="zh-CN" altLang="en-US"/>
           </a:p>
@@ -2018,7 +2018,7 @@
           <a:p>
             <a:fld id="{2C5E7B07-12AB-4F90-BF91-D594BCC61478}" type="datetimeFigureOut">
               <a:rPr lang="zh-CN" altLang="en-US" smtClean="0"/>
-              <a:t>2013/9/10</a:t>
+              <a:t>2013/12/5</a:t>
             </a:fld>
             <a:endParaRPr lang="zh-CN" altLang="en-US"/>
           </a:p>
@@ -2245,7 +2245,7 @@
           <a:p>
             <a:fld id="{2C5E7B07-12AB-4F90-BF91-D594BCC61478}" type="datetimeFigureOut">
               <a:rPr lang="zh-CN" altLang="en-US" smtClean="0"/>
-              <a:t>2013/9/10</a:t>
+              <a:t>2013/12/5</a:t>
             </a:fld>
             <a:endParaRPr lang="zh-CN" altLang="en-US"/>
           </a:p>
@@ -2335,7 +2335,7 @@
           <a:p>
             <a:fld id="{2C5E7B07-12AB-4F90-BF91-D594BCC61478}" type="datetimeFigureOut">
               <a:rPr lang="zh-CN" altLang="en-US" smtClean="0"/>
-              <a:t>2013/9/10</a:t>
+              <a:t>2013/12/5</a:t>
             </a:fld>
             <a:endParaRPr lang="zh-CN" altLang="en-US"/>
           </a:p>
@@ -3162,7 +3162,7 @@
           <a:p>
             <a:fld id="{2C5E7B07-12AB-4F90-BF91-D594BCC61478}" type="datetimeFigureOut">
               <a:rPr lang="zh-CN" altLang="en-US" smtClean="0"/>
-              <a:t>2013/9/10</a:t>
+              <a:t>2013/12/5</a:t>
             </a:fld>
             <a:endParaRPr lang="zh-CN" altLang="en-US"/>
           </a:p>
@@ -3993,7 +3993,7 @@
           <a:p>
             <a:fld id="{2C5E7B07-12AB-4F90-BF91-D594BCC61478}" type="datetimeFigureOut">
               <a:rPr lang="zh-CN" altLang="en-US" smtClean="0"/>
-              <a:t>2013/9/10</a:t>
+              <a:t>2013/12/5</a:t>
             </a:fld>
             <a:endParaRPr lang="zh-CN" altLang="en-US"/>
           </a:p>
@@ -4647,7 +4647,7 @@
           <a:p>
             <a:fld id="{2C5E7B07-12AB-4F90-BF91-D594BCC61478}" type="datetimeFigureOut">
               <a:rPr lang="zh-CN" altLang="en-US" smtClean="0"/>
-              <a:t>2013/9/10</a:t>
+              <a:t>2013/12/5</a:t>
             </a:fld>
             <a:endParaRPr lang="zh-CN" altLang="en-US"/>
           </a:p>
@@ -6298,7 +6298,45 @@
           <a:p>
             <a:r>
               <a:rPr lang="zh-CN" altLang="en-US" dirty="0" smtClean="0"/>
-              <a:t>在得到用户许可前，无法获取地理位置信息</a:t>
+              <a:t>在得到用户许可前，无法获取地理位置</a:t>
+            </a:r>
+            <a:r>
+              <a:rPr lang="zh-CN" altLang="en-US" dirty="0" smtClean="0"/>
+              <a:t>信息</a:t>
+            </a:r>
+            <a:endParaRPr lang="en-US" altLang="zh-CN" dirty="0" smtClean="0"/>
+          </a:p>
+          <a:p>
+            <a:r>
+              <a:rPr lang="zh-CN" altLang="en-US" dirty="0"/>
+              <a:t>桌面</a:t>
+            </a:r>
+            <a:r>
+              <a:rPr lang="zh-CN" altLang="en-US" dirty="0" smtClean="0"/>
+              <a:t>浏览器上基于</a:t>
+            </a:r>
+            <a:r>
+              <a:rPr lang="en-US" altLang="zh-CN" dirty="0" smtClean="0"/>
+              <a:t>IP</a:t>
+            </a:r>
+            <a:r>
+              <a:rPr lang="zh-CN" altLang="en-US" dirty="0" smtClean="0"/>
+              <a:t>地址定位</a:t>
+            </a:r>
+            <a:endParaRPr lang="en-US" altLang="zh-CN" dirty="0" smtClean="0"/>
+          </a:p>
+          <a:p>
+            <a:r>
+              <a:rPr lang="zh-CN" altLang="en-US" dirty="0" smtClean="0"/>
+              <a:t>移动浏览器上基于</a:t>
+            </a:r>
+            <a:r>
+              <a:rPr lang="en-US" altLang="zh-CN" dirty="0" smtClean="0"/>
+              <a:t>GPS</a:t>
+            </a:r>
+            <a:r>
+              <a:rPr lang="zh-CN" altLang="en-US" dirty="0" smtClean="0"/>
+              <a:t>定位</a:t>
             </a:r>
             <a:endParaRPr lang="en-US" altLang="zh-CN" dirty="0" smtClean="0"/>
           </a:p>
@@ -6761,6 +6799,14 @@
               <a:rPr lang="en-US" altLang="zh-CN" dirty="0" err="1" smtClean="0"/>
               <a:t>ogg</a:t>
             </a:r>
+            <a:r>
+              <a:rPr lang="zh-CN" altLang="en-US" dirty="0" smtClean="0"/>
+              <a:t>，</a:t>
+            </a:r>
+            <a:r>
+              <a:rPr lang="en-US" altLang="zh-CN" dirty="0" smtClean="0"/>
+              <a:t>H264</a:t>
+            </a:r>
             <a:endParaRPr lang="zh-CN" altLang="en-US" dirty="0"/>
           </a:p>
         </p:txBody>
@@ -7775,7 +7821,7 @@
             </a:r>
             <a:r>
               <a:rPr lang="zh-CN" altLang="en-US" dirty="0" smtClean="0"/>
-              <a:t>不支持</a:t>
+              <a:t>不暂支持</a:t>
             </a:r>
             <a:endParaRPr lang="en-US" altLang="zh-CN" dirty="0" smtClean="0"/>
           </a:p>
@@ -9473,9 +9519,7 @@
         <p:spPr>
           <a:noFill/>
           <a:ln>
-            <a:solidFill>
-              <a:schemeClr val="accent1"/>
-            </a:solidFill>
+            <a:noFill/>
           </a:ln>
         </p:spPr>
         <p:txBody>
@@ -9990,9 +10034,7 @@
         <p:spPr>
           <a:noFill/>
           <a:ln>
-            <a:solidFill>
-              <a:schemeClr val="accent1"/>
-            </a:solidFill>
+            <a:noFill/>
           </a:ln>
         </p:spPr>
         <p:txBody>
@@ -10205,7 +10247,11 @@
           <a:p>
             <a:r>
               <a:rPr lang="zh-CN" altLang="en-US" dirty="0" smtClean="0"/>
-              <a:t>不能访问页面元素</a:t>
+              <a:t>不能直接访问</a:t>
+            </a:r>
+            <a:r>
+              <a:rPr lang="zh-CN" altLang="en-US" dirty="0" smtClean="0"/>
+              <a:t>页面元素</a:t>
             </a:r>
             <a:endParaRPr lang="zh-CN" altLang="en-US" dirty="0"/>
           </a:p>
@@ -10246,7 +10292,11 @@
           <a:p>
             <a:r>
               <a:rPr lang="zh-CN" altLang="en-US" dirty="0" smtClean="0"/>
-              <a:t>可以访问页面元素</a:t>
+              <a:t>可以直接访问</a:t>
+            </a:r>
+            <a:r>
+              <a:rPr lang="zh-CN" altLang="en-US" dirty="0" smtClean="0"/>
+              <a:t>页面元素</a:t>
             </a:r>
             <a:endParaRPr lang="zh-CN" altLang="en-US" dirty="0"/>
           </a:p>
@@ -10396,7 +10446,13 @@
               <a:rPr lang="en-US" altLang="zh-CN" dirty="0" err="1" smtClean="0">
                 <a:latin typeface="Source Code Pro" panose="020B0509030403020204" pitchFamily="49" charset="0"/>
               </a:rPr>
-              <a:t>onmessage</a:t>
+              <a:t>Onmessage</a:t>
+            </a:r>
+            <a:r>
+              <a:rPr lang="zh-CN" altLang="en-US" dirty="0" smtClean="0">
+                <a:latin typeface="Source Code Pro" panose="020B0509030403020204" pitchFamily="49" charset="0"/>
+              </a:rPr>
+              <a:t>事件</a:t>
             </a:r>
             <a:endParaRPr lang="en-US" altLang="zh-CN" dirty="0">
               <a:latin typeface="Source Code Pro" panose="020B0509030403020204" pitchFamily="49" charset="0"/>
@@ -10588,9 +10644,7 @@
         <p:spPr>
           <a:noFill/>
           <a:ln>
-            <a:solidFill>
-              <a:schemeClr val="accent1"/>
-            </a:solidFill>
+            <a:noFill/>
           </a:ln>
         </p:spPr>
         <p:txBody>
@@ -11545,20 +11599,22 @@
           </a:xfrm>
         </p:spPr>
         <p:txBody>
-          <a:bodyPr/>
+          <a:bodyPr>
+            <a:normAutofit/>
+          </a:bodyPr>
           <a:lstStyle/>
           <a:p>
             <a:pPr marL="18288" indent="0">
               <a:buNone/>
             </a:pPr>
             <a:r>
-              <a:rPr lang="en-US" altLang="zh-CN" dirty="0">
+              <a:rPr lang="en-US" altLang="zh-CN" sz="1600" dirty="0">
                 <a:latin typeface="Source Code Pro" panose="020B0509030403020204" pitchFamily="49" charset="0"/>
               </a:rPr>
               <a:t>&lt;canvas id="</a:t>
             </a:r>
             <a:r>
-              <a:rPr lang="en-US" altLang="zh-CN" dirty="0" err="1">
+              <a:rPr lang="en-US" altLang="zh-CN" sz="1600" dirty="0" err="1">
                 <a:solidFill>
                   <a:schemeClr val="accent1">
                     <a:lumMod val="60000"/>
@@ -11570,12 +11626,12 @@
               <a:t>myCanvas</a:t>
             </a:r>
             <a:r>
-              <a:rPr lang="en-US" altLang="zh-CN" dirty="0">
+              <a:rPr lang="en-US" altLang="zh-CN" sz="1600" dirty="0">
                 <a:latin typeface="Source Code Pro" panose="020B0509030403020204" pitchFamily="49" charset="0"/>
               </a:rPr>
               <a:t>" width="200" height="100"&gt;&lt;/canvas&gt; </a:t>
             </a:r>
-            <a:endParaRPr lang="en-US" altLang="zh-CN" dirty="0" smtClean="0">
+            <a:endParaRPr lang="en-US" altLang="zh-CN" sz="1600" dirty="0" smtClean="0">
               <a:latin typeface="Source Code Pro" panose="020B0509030403020204" pitchFamily="49" charset="0"/>
             </a:endParaRPr>
           </a:p>
@@ -11584,48 +11640,48 @@
               <a:buNone/>
             </a:pPr>
             <a:r>
-              <a:rPr lang="en-US" altLang="zh-CN" dirty="0">
+              <a:rPr lang="en-US" altLang="zh-CN" sz="1600" dirty="0">
                 <a:latin typeface="Source Code Pro" panose="020B0509030403020204" pitchFamily="49" charset="0"/>
               </a:rPr>
               <a:t>&lt;script&gt;</a:t>
             </a:r>
             <a:br>
-              <a:rPr lang="en-US" altLang="zh-CN" dirty="0">
+              <a:rPr lang="en-US" altLang="zh-CN" sz="1600" dirty="0">
                 <a:latin typeface="Source Code Pro" panose="020B0509030403020204" pitchFamily="49" charset="0"/>
               </a:rPr>
             </a:br>
             <a:r>
-              <a:rPr lang="en-US" altLang="zh-CN" dirty="0" smtClean="0">
+              <a:rPr lang="en-US" altLang="zh-CN" sz="1600" dirty="0" smtClean="0">
                 <a:latin typeface="Source Code Pro" panose="020B0509030403020204" pitchFamily="49" charset="0"/>
               </a:rPr>
               <a:t>  </a:t>
             </a:r>
             <a:r>
-              <a:rPr lang="en-US" altLang="zh-CN" dirty="0" err="1" smtClean="0">
+              <a:rPr lang="en-US" altLang="zh-CN" sz="1600" dirty="0" err="1" smtClean="0">
                 <a:latin typeface="Source Code Pro" panose="020B0509030403020204" pitchFamily="49" charset="0"/>
               </a:rPr>
               <a:t>var</a:t>
             </a:r>
             <a:r>
-              <a:rPr lang="en-US" altLang="zh-CN" dirty="0" smtClean="0">
+              <a:rPr lang="en-US" altLang="zh-CN" sz="1600" dirty="0" smtClean="0">
                 <a:latin typeface="Source Code Pro" panose="020B0509030403020204" pitchFamily="49" charset="0"/>
               </a:rPr>
               <a:t> c = </a:t>
             </a:r>
             <a:r>
-              <a:rPr lang="en-US" altLang="zh-CN" dirty="0" err="1" smtClean="0">
+              <a:rPr lang="en-US" altLang="zh-CN" sz="1600" dirty="0" err="1" smtClean="0">
                 <a:latin typeface="Source Code Pro" panose="020B0509030403020204" pitchFamily="49" charset="0"/>
               </a:rPr>
               <a:t>document.getElementById</a:t>
             </a:r>
             <a:r>
-              <a:rPr lang="en-US" altLang="zh-CN" dirty="0">
+              <a:rPr lang="en-US" altLang="zh-CN" sz="1600" dirty="0">
                 <a:latin typeface="Source Code Pro" panose="020B0509030403020204" pitchFamily="49" charset="0"/>
               </a:rPr>
               <a:t>("</a:t>
             </a:r>
             <a:r>
-              <a:rPr lang="en-US" altLang="zh-CN" dirty="0" err="1">
+              <a:rPr lang="en-US" altLang="zh-CN" sz="1600" dirty="0" err="1">
                 <a:solidFill>
                   <a:schemeClr val="accent1">
                     <a:lumMod val="60000"/>
@@ -11637,24 +11693,24 @@
               <a:t>myCanvas</a:t>
             </a:r>
             <a:r>
-              <a:rPr lang="en-US" altLang="zh-CN" dirty="0">
+              <a:rPr lang="en-US" altLang="zh-CN" sz="1600" dirty="0">
                 <a:latin typeface="Source Code Pro" panose="020B0509030403020204" pitchFamily="49" charset="0"/>
               </a:rPr>
               <a:t>");</a:t>
             </a:r>
             <a:br>
-              <a:rPr lang="en-US" altLang="zh-CN" dirty="0">
+              <a:rPr lang="en-US" altLang="zh-CN" sz="1600" dirty="0">
                 <a:latin typeface="Source Code Pro" panose="020B0509030403020204" pitchFamily="49" charset="0"/>
               </a:rPr>
             </a:br>
             <a:r>
-              <a:rPr lang="en-US" altLang="zh-CN" dirty="0" smtClean="0">
+              <a:rPr lang="en-US" altLang="zh-CN" sz="1600" dirty="0" smtClean="0">
                 <a:latin typeface="Source Code Pro" panose="020B0509030403020204" pitchFamily="49" charset="0"/>
               </a:rPr>
               <a:t>  </a:t>
             </a:r>
             <a:r>
-              <a:rPr lang="en-US" altLang="zh-CN" dirty="0" err="1" smtClean="0">
+              <a:rPr lang="en-US" altLang="zh-CN" sz="1600" dirty="0" err="1" smtClean="0">
                 <a:solidFill>
                   <a:srgbClr val="FF0000"/>
                 </a:solidFill>
@@ -11663,7 +11719,7 @@
               <a:t>var</a:t>
             </a:r>
             <a:r>
-              <a:rPr lang="en-US" altLang="zh-CN" dirty="0" smtClean="0">
+              <a:rPr lang="en-US" altLang="zh-CN" sz="1600" dirty="0" smtClean="0">
                 <a:solidFill>
                   <a:srgbClr val="FF0000"/>
                 </a:solidFill>
@@ -11672,7 +11728,7 @@
               <a:t> </a:t>
             </a:r>
             <a:r>
-              <a:rPr lang="en-US" altLang="zh-CN" dirty="0" err="1" smtClean="0">
+              <a:rPr lang="en-US" altLang="zh-CN" sz="1600" dirty="0" err="1" smtClean="0">
                 <a:solidFill>
                   <a:srgbClr val="FF0000"/>
                 </a:solidFill>
@@ -11681,7 +11737,7 @@
               <a:t>ctx</a:t>
             </a:r>
             <a:r>
-              <a:rPr lang="en-US" altLang="zh-CN" dirty="0" smtClean="0">
+              <a:rPr lang="en-US" altLang="zh-CN" sz="1600" dirty="0" smtClean="0">
                 <a:solidFill>
                   <a:srgbClr val="FF0000"/>
                 </a:solidFill>
@@ -11690,7 +11746,7 @@
               <a:t> = </a:t>
             </a:r>
             <a:r>
-              <a:rPr lang="en-US" altLang="zh-CN" dirty="0" err="1" smtClean="0">
+              <a:rPr lang="en-US" altLang="zh-CN" sz="1600" dirty="0" err="1" smtClean="0">
                 <a:solidFill>
                   <a:srgbClr val="FF0000"/>
                 </a:solidFill>
@@ -11699,7 +11755,7 @@
               <a:t>c.getContext</a:t>
             </a:r>
             <a:r>
-              <a:rPr lang="en-US" altLang="zh-CN" dirty="0">
+              <a:rPr lang="en-US" altLang="zh-CN" sz="1600" dirty="0">
                 <a:solidFill>
                   <a:srgbClr val="FF0000"/>
                 </a:solidFill>
@@ -11708,24 +11764,24 @@
               <a:t>("2d");</a:t>
             </a:r>
             <a:r>
-              <a:rPr lang="en-US" altLang="zh-CN" dirty="0">
+              <a:rPr lang="en-US" altLang="zh-CN" sz="1600" dirty="0">
                 <a:latin typeface="Source Code Pro" panose="020B0509030403020204" pitchFamily="49" charset="0"/>
               </a:rPr>
               <a:t/>
             </a:r>
             <a:br>
-              <a:rPr lang="en-US" altLang="zh-CN" dirty="0">
+              <a:rPr lang="en-US" altLang="zh-CN" sz="1600" dirty="0">
                 <a:latin typeface="Source Code Pro" panose="020B0509030403020204" pitchFamily="49" charset="0"/>
               </a:rPr>
             </a:br>
             <a:r>
-              <a:rPr lang="en-US" altLang="zh-CN" dirty="0" smtClean="0">
+              <a:rPr lang="en-US" altLang="zh-CN" sz="1600" dirty="0" smtClean="0">
                 <a:latin typeface="Source Code Pro" panose="020B0509030403020204" pitchFamily="49" charset="0"/>
               </a:rPr>
               <a:t>  </a:t>
             </a:r>
             <a:r>
-              <a:rPr lang="en-US" altLang="zh-CN" dirty="0" err="1" smtClean="0">
+              <a:rPr lang="en-US" altLang="zh-CN" sz="1600" dirty="0" err="1" smtClean="0">
                 <a:solidFill>
                   <a:srgbClr val="FF0000"/>
                 </a:solidFill>
@@ -11734,7 +11790,7 @@
               <a:t>ctx.fillStyle</a:t>
             </a:r>
             <a:r>
-              <a:rPr lang="en-US" altLang="zh-CN" dirty="0" smtClean="0">
+              <a:rPr lang="en-US" altLang="zh-CN" sz="1600" dirty="0" smtClean="0">
                 <a:solidFill>
                   <a:srgbClr val="FF0000"/>
                 </a:solidFill>
@@ -11743,7 +11799,7 @@
               <a:t> = "#</a:t>
             </a:r>
             <a:r>
-              <a:rPr lang="en-US" altLang="zh-CN" dirty="0">
+              <a:rPr lang="en-US" altLang="zh-CN" sz="1600" dirty="0">
                 <a:solidFill>
                   <a:srgbClr val="FF0000"/>
                 </a:solidFill>
@@ -11752,7 +11808,7 @@
               <a:t>FF0000";</a:t>
             </a:r>
             <a:br>
-              <a:rPr lang="en-US" altLang="zh-CN" dirty="0">
+              <a:rPr lang="en-US" altLang="zh-CN" sz="1600" dirty="0">
                 <a:solidFill>
                   <a:srgbClr val="FF0000"/>
                 </a:solidFill>
@@ -11760,13 +11816,13 @@
               </a:rPr>
             </a:br>
             <a:r>
-              <a:rPr lang="en-US" altLang="zh-CN" dirty="0" smtClean="0">
+              <a:rPr lang="en-US" altLang="zh-CN" sz="1600" dirty="0" smtClean="0">
                 <a:latin typeface="Source Code Pro" panose="020B0509030403020204" pitchFamily="49" charset="0"/>
               </a:rPr>
               <a:t>  </a:t>
             </a:r>
             <a:r>
-              <a:rPr lang="en-US" altLang="zh-CN" dirty="0" err="1" smtClean="0">
+              <a:rPr lang="en-US" altLang="zh-CN" sz="1600" dirty="0" err="1" smtClean="0">
                 <a:solidFill>
                   <a:srgbClr val="FF0000"/>
                 </a:solidFill>
@@ -11775,7 +11831,7 @@
               <a:t>ctx.fillRect</a:t>
             </a:r>
             <a:r>
-              <a:rPr lang="en-US" altLang="zh-CN" dirty="0" smtClean="0">
+              <a:rPr lang="en-US" altLang="zh-CN" sz="1600" dirty="0" smtClean="0">
                 <a:solidFill>
                   <a:srgbClr val="FF0000"/>
                 </a:solidFill>
@@ -11784,7 +11840,7 @@
               <a:t>(0, 0, 150, 75</a:t>
             </a:r>
             <a:r>
-              <a:rPr lang="en-US" altLang="zh-CN" dirty="0">
+              <a:rPr lang="en-US" altLang="zh-CN" sz="1600" dirty="0">
                 <a:solidFill>
                   <a:srgbClr val="FF0000"/>
                 </a:solidFill>
@@ -11793,23 +11849,23 @@
               <a:t>);</a:t>
             </a:r>
             <a:r>
-              <a:rPr lang="en-US" altLang="zh-CN" dirty="0">
+              <a:rPr lang="en-US" altLang="zh-CN" sz="1600" dirty="0">
                 <a:latin typeface="Source Code Pro" panose="020B0509030403020204" pitchFamily="49" charset="0"/>
               </a:rPr>
               <a:t/>
             </a:r>
             <a:br>
-              <a:rPr lang="en-US" altLang="zh-CN" dirty="0">
+              <a:rPr lang="en-US" altLang="zh-CN" sz="1600" dirty="0">
                 <a:latin typeface="Source Code Pro" panose="020B0509030403020204" pitchFamily="49" charset="0"/>
               </a:rPr>
             </a:br>
             <a:r>
-              <a:rPr lang="en-US" altLang="zh-CN" dirty="0">
+              <a:rPr lang="en-US" altLang="zh-CN" sz="1600" dirty="0">
                 <a:latin typeface="Source Code Pro" panose="020B0509030403020204" pitchFamily="49" charset="0"/>
               </a:rPr>
               <a:t>&lt;/script&gt;</a:t>
             </a:r>
-            <a:endParaRPr lang="zh-CN" altLang="en-US" dirty="0">
+            <a:endParaRPr lang="zh-CN" altLang="en-US" sz="1600" dirty="0">
               <a:latin typeface="Source Code Pro" panose="020B0509030403020204" pitchFamily="49" charset="0"/>
             </a:endParaRPr>
           </a:p>
